--- a/Code Warriors/Idea Submission.pptx
+++ b/Code Warriors/Idea Submission.pptx
@@ -3534,8 +3534,8 @@
         </p:nvSpPr>
         <p:spPr>
           <a:xfrm>
-            <a:off x="3043403" y="2523058"/>
-            <a:ext cx="6105194" cy="2031055"/>
+            <a:off x="3043403" y="2073499"/>
+            <a:ext cx="6105194" cy="3549561"/>
           </a:xfrm>
         </p:spPr>
         <p:txBody>
@@ -3568,16 +3568,50 @@
                 </a:solidFill>
                 <a:latin typeface="Consolas" panose="020B0609020204030204" pitchFamily="49" charset="0"/>
               </a:rPr>
-              <a:t>Medical Prescriptions </a:t>
-            </a:r>
-            <a:r>
-              <a:rPr lang="en-IN" sz="4800" smtClean="0">
+              <a:t>Medical Prescriptions via Audio</a:t>
+            </a:r>
+            <a:br>
+              <a:rPr lang="en-IN" sz="4800" dirty="0" smtClean="0">
                 <a:solidFill>
                   <a:schemeClr val="bg1"/>
                 </a:solidFill>
                 <a:latin typeface="Consolas" panose="020B0609020204030204" pitchFamily="49" charset="0"/>
               </a:rPr>
-              <a:t>via Audio</a:t>
+            </a:br>
+            <a:r>
+              <a:rPr lang="en-IN" sz="3600" dirty="0" smtClean="0">
+                <a:solidFill>
+                  <a:schemeClr val="bg1"/>
+                </a:solidFill>
+                <a:latin typeface="Consolas" panose="020B0609020204030204" pitchFamily="49" charset="0"/>
+              </a:rPr>
+              <a:t>Team: CODE </a:t>
+            </a:r>
+            <a:r>
+              <a:rPr lang="en-IN" sz="3600" dirty="0" smtClean="0">
+                <a:solidFill>
+                  <a:schemeClr val="bg1"/>
+                </a:solidFill>
+                <a:latin typeface="Consolas" panose="020B0609020204030204" pitchFamily="49" charset="0"/>
+              </a:rPr>
+              <a:t>WARRIORS</a:t>
+            </a:r>
+            <a:br>
+              <a:rPr lang="en-IN" sz="3600" dirty="0" smtClean="0">
+                <a:solidFill>
+                  <a:schemeClr val="bg1"/>
+                </a:solidFill>
+                <a:latin typeface="Consolas" panose="020B0609020204030204" pitchFamily="49" charset="0"/>
+              </a:rPr>
+            </a:br>
+            <a:r>
+              <a:rPr lang="en-IN" sz="2200" dirty="0" smtClean="0">
+                <a:solidFill>
+                  <a:schemeClr val="bg1"/>
+                </a:solidFill>
+                <a:latin typeface="Consolas" panose="020B0609020204030204" pitchFamily="49" charset="0"/>
+              </a:rPr>
+              <a:t>Members: Sunaina Nayak,Vishnupriya D,Zaina Khan,Ruba Abdul Rahman</a:t>
             </a:r>
             <a:r>
               <a:rPr lang="en-IN" b="1" i="0" dirty="0">
